--- a/aulas/t/SCO-T2-S01-S02.pptx
+++ b/aulas/t/SCO-T2-S01-S02.pptx
@@ -8060,7 +8060,17 @@
                 <a:latin typeface="Courier New" panose="02070309020205020404" pitchFamily="49" charset="0"/>
                 <a:cs typeface="Courier New" panose="02070309020205020404" pitchFamily="49" charset="0"/>
               </a:rPr>
-              <a:t>.section .texto</a:t>
+              <a:t>.section .</a:t>
+            </a:r>
+            <a:r>
+              <a:rPr lang="pt-PT" sz="1600" i="0" dirty="0" err="1">
+                <a:solidFill>
+                  <a:schemeClr val="accent2"/>
+                </a:solidFill>
+                <a:latin typeface="Courier New" panose="02070309020205020404" pitchFamily="49" charset="0"/>
+                <a:cs typeface="Courier New" panose="02070309020205020404" pitchFamily="49" charset="0"/>
+              </a:rPr>
+              <a:t>text</a:t>
             </a:r>
             <a:r>
               <a:rPr lang="pt-PT" sz="1600" b="0" i="0" dirty="0"/>
@@ -9267,7 +9277,17 @@
                 <a:latin typeface="Courier New" panose="02070309020205020404" pitchFamily="49" charset="0"/>
                 <a:cs typeface="Courier New" panose="02070309020205020404" pitchFamily="49" charset="0"/>
               </a:rPr>
-              <a:t>.texto</a:t>
+              <a:t>.</a:t>
+            </a:r>
+            <a:r>
+              <a:rPr lang="pt-PT" sz="1600" i="0" dirty="0" err="1">
+                <a:solidFill>
+                  <a:schemeClr val="accent6"/>
+                </a:solidFill>
+                <a:latin typeface="Courier New" panose="02070309020205020404" pitchFamily="49" charset="0"/>
+                <a:cs typeface="Courier New" panose="02070309020205020404" pitchFamily="49" charset="0"/>
+              </a:rPr>
+              <a:t>text</a:t>
             </a:r>
             <a:r>
               <a:rPr lang="pt-PT" sz="1600" b="0" i="0" dirty="0"/>
@@ -9339,7 +9359,21 @@
             </a:r>
             <a:r>
               <a:rPr lang="pt-PT" sz="1600" b="0" i="0" dirty="0"/>
-              <a:t>: O texto entre “” seguinte deve ser entendido como dados no formato ASCII (1 byte por carater, são acetes carateres especiais com “\n” que representam um só carater / 1 byte);</a:t>
+              <a:t>: O texto entre “” seguinte deve ser entendido como dados no formato ASCII (1 byte por carater, são aceites carateres especiais com “</a:t>
+            </a:r>
+            <a:r>
+              <a:rPr lang="pt-PT" sz="1600" i="0" dirty="0">
+                <a:solidFill>
+                  <a:schemeClr val="accent6"/>
+                </a:solidFill>
+                <a:latin typeface="Courier New" panose="02070309020205020404" pitchFamily="49" charset="0"/>
+                <a:cs typeface="Courier New" panose="02070309020205020404" pitchFamily="49" charset="0"/>
+              </a:rPr>
+              <a:t>\n</a:t>
+            </a:r>
+            <a:r>
+              <a:rPr lang="pt-PT" sz="1600" b="0" i="0" dirty="0"/>
+              <a:t>” que representam um só carater / 1 byte);</a:t>
             </a:r>
             <a:endParaRPr lang="pt-PT" sz="1600" b="0" dirty="0"/>
           </a:p>
@@ -9385,7 +9419,21 @@
             </a:r>
             <a:r>
               <a:rPr lang="pt-PT" sz="1600" b="0" i="0" dirty="0"/>
-              <a:t> em C (“\0” ou valor 0);</a:t>
+              <a:t> em C (“</a:t>
+            </a:r>
+            <a:r>
+              <a:rPr lang="pt-PT" sz="1600" i="0" dirty="0">
+                <a:solidFill>
+                  <a:schemeClr val="accent6"/>
+                </a:solidFill>
+                <a:latin typeface="Courier New" panose="02070309020205020404" pitchFamily="49" charset="0"/>
+                <a:cs typeface="Courier New" panose="02070309020205020404" pitchFamily="49" charset="0"/>
+              </a:rPr>
+              <a:t>\0</a:t>
+            </a:r>
+            <a:r>
+              <a:rPr lang="pt-PT" sz="1600" b="0" i="0" dirty="0"/>
+              <a:t>” ou valor 0);</a:t>
             </a:r>
             <a:endParaRPr lang="pt-PT" sz="1600" b="0" dirty="0"/>
           </a:p>
@@ -10240,7 +10288,7 @@
         <p:spPr bwMode="auto">
           <a:xfrm>
             <a:off x="540000" y="841276"/>
-            <a:ext cx="8208464" cy="3355265"/>
+            <a:ext cx="8208464" cy="3946196"/>
           </a:xfrm>
           <a:prstGeom prst="rect">
             <a:avLst/>
@@ -10394,6 +10442,97 @@
             <a:r>
               <a:rPr lang="pt-PT" sz="1600" b="0" i="0" dirty="0"/>
               <a:t>: Finaliza a declaração da macro;</a:t>
+            </a:r>
+          </a:p>
+          <a:p>
+            <a:pPr marL="357188" lvl="1" indent="-177800" algn="just" defTabSz="624078">
+              <a:lnSpc>
+                <a:spcPct val="120000"/>
+              </a:lnSpc>
+              <a:buFont typeface="Wingdings" pitchFamily="2" charset="2"/>
+              <a:buChar char="Ø"/>
+            </a:pPr>
+            <a:r>
+              <a:rPr lang="pt-PT" sz="1600" i="0" dirty="0">
+                <a:solidFill>
+                  <a:schemeClr val="accent6"/>
+                </a:solidFill>
+                <a:latin typeface="Courier New" panose="02070309020205020404" pitchFamily="49" charset="0"/>
+                <a:cs typeface="Courier New" panose="02070309020205020404" pitchFamily="49" charset="0"/>
+              </a:rPr>
+              <a:t>.</a:t>
+            </a:r>
+            <a:r>
+              <a:rPr lang="pt-PT" sz="1600" i="0" dirty="0" err="1">
+                <a:solidFill>
+                  <a:schemeClr val="accent6"/>
+                </a:solidFill>
+                <a:latin typeface="Courier New" panose="02070309020205020404" pitchFamily="49" charset="0"/>
+                <a:cs typeface="Courier New" panose="02070309020205020404" pitchFamily="49" charset="0"/>
+              </a:rPr>
+              <a:t>equ</a:t>
+            </a:r>
+            <a:r>
+              <a:rPr lang="pt-PT" sz="1600" b="0" i="0" dirty="0"/>
+              <a:t>: Troca de texto simples (substituição um identificador por um valor, mais simples que “</a:t>
+            </a:r>
+            <a:r>
+              <a:rPr lang="pt-PT" sz="1600" i="0" dirty="0">
+                <a:solidFill>
+                  <a:schemeClr val="accent6"/>
+                </a:solidFill>
+                <a:latin typeface="Courier New" panose="02070309020205020404" pitchFamily="49" charset="0"/>
+                <a:cs typeface="Courier New" panose="02070309020205020404" pitchFamily="49" charset="0"/>
+              </a:rPr>
+              <a:t>.macro</a:t>
+            </a:r>
+            <a:r>
+              <a:rPr lang="pt-PT" sz="1600" b="0" i="0" dirty="0"/>
+              <a:t>”. Exemplo “</a:t>
+            </a:r>
+            <a:r>
+              <a:rPr lang="pt-PT" sz="1600" i="0" dirty="0">
+                <a:solidFill>
+                  <a:schemeClr val="accent6"/>
+                </a:solidFill>
+                <a:latin typeface="Courier New" panose="02070309020205020404" pitchFamily="49" charset="0"/>
+                <a:cs typeface="Courier New" panose="02070309020205020404" pitchFamily="49" charset="0"/>
+              </a:rPr>
+              <a:t>.</a:t>
+            </a:r>
+            <a:r>
+              <a:rPr lang="pt-PT" sz="1600" i="0" dirty="0" err="1">
+                <a:solidFill>
+                  <a:schemeClr val="accent6"/>
+                </a:solidFill>
+                <a:latin typeface="Courier New" panose="02070309020205020404" pitchFamily="49" charset="0"/>
+                <a:cs typeface="Courier New" panose="02070309020205020404" pitchFamily="49" charset="0"/>
+              </a:rPr>
+              <a:t>equ</a:t>
+            </a:r>
+            <a:r>
+              <a:rPr lang="pt-PT" sz="1600" i="0">
+                <a:solidFill>
+                  <a:schemeClr val="accent6"/>
+                </a:solidFill>
+                <a:latin typeface="Courier New" panose="02070309020205020404" pitchFamily="49" charset="0"/>
+                <a:cs typeface="Courier New" panose="02070309020205020404" pitchFamily="49" charset="0"/>
+              </a:rPr>
+              <a:t> MAX, </a:t>
+            </a:r>
+            <a:r>
+              <a:rPr lang="pt-PT" sz="1600" i="0" dirty="0">
+                <a:solidFill>
+                  <a:schemeClr val="accent6"/>
+                </a:solidFill>
+                <a:latin typeface="Courier New" panose="02070309020205020404" pitchFamily="49" charset="0"/>
+                <a:cs typeface="Courier New" panose="02070309020205020404" pitchFamily="49" charset="0"/>
+              </a:rPr>
+              <a:t>10</a:t>
+            </a:r>
+            <a:r>
+              <a:rPr lang="pt-PT" sz="1600" b="0" i="0" dirty="0"/>
+              <a:t>”);</a:t>
             </a:r>
           </a:p>
           <a:p>
@@ -10671,7 +10810,7 @@
         <p:spPr bwMode="auto">
           <a:xfrm>
             <a:off x="540000" y="841276"/>
-            <a:ext cx="8208464" cy="3059800"/>
+            <a:ext cx="8208464" cy="3355265"/>
           </a:xfrm>
           <a:prstGeom prst="rect">
             <a:avLst/>
@@ -10763,7 +10902,7 @@
             <a:r>
               <a:rPr lang="pt-PT" sz="1600" dirty="0">
                 <a:solidFill>
-                  <a:schemeClr val="accent6"/>
+                  <a:srgbClr val="0070C0"/>
                 </a:solidFill>
                 <a:hlinkClick r:id="rId3">
                   <a:extLst>
@@ -10773,7 +10912,7 @@
                   </a:extLst>
                 </a:hlinkClick>
               </a:rPr>
-              <a:t>https://chromium.googlesource.com/chromiumos/docs/+/master/constants/syscalls.md</a:t>
+              <a:t>https://chromium.googlesource.com/chromiumos/docs/+/HEAD/constants/syscalls.md#Kernel-Implementations</a:t>
             </a:r>
             <a:r>
               <a:rPr lang="pt-PT" sz="1600" b="0" i="0" dirty="0"/>
@@ -11069,7 +11208,7 @@
         <p:spPr bwMode="auto">
           <a:xfrm>
             <a:off x="540000" y="841276"/>
-            <a:ext cx="8064448" cy="3568914"/>
+            <a:ext cx="8064448" cy="3938245"/>
           </a:xfrm>
           <a:prstGeom prst="rect">
             <a:avLst/>
@@ -11171,7 +11310,7 @@
             </a:pPr>
             <a:r>
               <a:rPr lang="pt-PT" sz="2000" i="0" dirty="0"/>
-              <a:t>2 conjuntos (base e standard) de 2 questões (em 5) + 1 questão (em 4 do conjunto Hard)</a:t>
+              <a:t>2 conjuntos (base e standard) de 2 questões (em 4) + 1 questão (em 3 do conjunto Hard)</a:t>
             </a:r>
             <a:r>
               <a:rPr lang="pt-PT" sz="2000" b="0" i="0" dirty="0"/>
@@ -11192,7 +11331,7 @@
             </a:r>
             <a:r>
               <a:rPr lang="pt-PT" sz="2000" i="0" dirty="0"/>
-              <a:t>16h até às 23h59 de sexta, 26 de novembro</a:t>
+              <a:t>16h de quinta 26 de novembro até às 18h de terça 30 de novembro</a:t>
             </a:r>
             <a:r>
               <a:rPr lang="pt-PT" sz="2000" b="0" i="0" dirty="0"/>

--- a/aulas/t/SCO-T2-S01-S02.pptx
+++ b/aulas/t/SCO-T2-S01-S02.pptx
@@ -2545,10 +2545,7 @@
           <a:bodyPr/>
           <a:lstStyle/>
           <a:p>
-            <a:r>
-              <a:rPr lang="en-GB" dirty="0"/>
-              <a:t>https://en.wikipedia.org/wiki/GNU</a:t>
-            </a:r>
+            <a:endParaRPr lang="en-GB" dirty="0"/>
           </a:p>
         </p:txBody>
       </p:sp>
@@ -2641,10 +2638,7 @@
           <a:bodyPr/>
           <a:lstStyle/>
           <a:p>
-            <a:r>
-              <a:rPr lang="en-GB" dirty="0"/>
-              <a:t>https://en.wikipedia.org/wiki/GNU</a:t>
-            </a:r>
+            <a:endParaRPr lang="en-GB" dirty="0"/>
           </a:p>
         </p:txBody>
       </p:sp>
@@ -2737,10 +2731,7 @@
           <a:bodyPr/>
           <a:lstStyle/>
           <a:p>
-            <a:r>
-              <a:rPr lang="en-GB" dirty="0"/>
-              <a:t>https://en.wikipedia.org/wiki/GNU</a:t>
-            </a:r>
+            <a:endParaRPr lang="en-GB" dirty="0"/>
           </a:p>
         </p:txBody>
       </p:sp>
@@ -2833,10 +2824,7 @@
           <a:bodyPr/>
           <a:lstStyle/>
           <a:p>
-            <a:r>
-              <a:rPr lang="en-GB" dirty="0"/>
-              <a:t>https://en.wikipedia.org/wiki/GNU</a:t>
-            </a:r>
+            <a:endParaRPr lang="en-GB" dirty="0"/>
           </a:p>
         </p:txBody>
       </p:sp>
@@ -2929,10 +2917,7 @@
           <a:bodyPr/>
           <a:lstStyle/>
           <a:p>
-            <a:r>
-              <a:rPr lang="en-GB" dirty="0"/>
-              <a:t>https://en.wikipedia.org/wiki/GNU</a:t>
-            </a:r>
+            <a:endParaRPr lang="en-GB" dirty="0"/>
           </a:p>
         </p:txBody>
       </p:sp>
@@ -3025,10 +3010,7 @@
           <a:bodyPr/>
           <a:lstStyle/>
           <a:p>
-            <a:r>
-              <a:rPr lang="en-GB" dirty="0"/>
-              <a:t>https://en.wikipedia.org/wiki/GNU</a:t>
-            </a:r>
+            <a:endParaRPr lang="en-GB" dirty="0"/>
           </a:p>
         </p:txBody>
       </p:sp>
@@ -10904,15 +10886,8 @@
                 <a:solidFill>
                   <a:srgbClr val="0070C0"/>
                 </a:solidFill>
-                <a:hlinkClick r:id="rId3">
-                  <a:extLst>
-                    <a:ext uri="{A12FA001-AC4F-418D-AE19-62706E023703}">
-                      <ahyp:hlinkClr xmlns:ahyp="http://schemas.microsoft.com/office/drawing/2018/hyperlinkcolor" val="tx"/>
-                    </a:ext>
-                  </a:extLst>
-                </a:hlinkClick>
               </a:rPr>
-              <a:t>https://chromium.googlesource.com/chromiumos/docs/+/HEAD/constants/syscalls.md#Kernel-Implementations</a:t>
+              <a:t>https://chromium.googlesource.com/chromiumos/docs/+/HEAD/constants/syscalls.md#arm-32_bit_EABI</a:t>
             </a:r>
             <a:r>
               <a:rPr lang="pt-PT" sz="1600" b="0" i="0" dirty="0"/>
@@ -11661,7 +11636,7 @@
                   <a:srgbClr val="0033CC"/>
                 </a:solidFill>
               </a:rPr>
-              <a:t>SCO-T1-S01</a:t>
+              <a:t>SCO-T2-S01</a:t>
             </a:r>
             <a:r>
               <a:rPr lang="pt-PT" sz="2000" i="0" dirty="0"/>
@@ -11733,7 +11708,7 @@
                   <a:srgbClr val="0033CC"/>
                 </a:solidFill>
               </a:rPr>
-              <a:t>SCO-T1-S02</a:t>
+              <a:t>SCO-T2-S02</a:t>
             </a:r>
             <a:r>
               <a:rPr lang="pt-PT" sz="2000" i="0" dirty="0"/>
